--- a/Assets/StreamingAssets/2D_Objects/Circle/~Circle-Instructions.pptx
+++ b/Assets/StreamingAssets/2D_Objects/Circle/~Circle-Instructions.pptx
@@ -7896,7 +7896,7 @@
             <a:noFill/>
             <a:extLst>
               <a:ext uri="{909E8E84-426E-40dd-AFC4-6F175D3DCCD1}">
-                <a14:hiddenFill xmlns="" xmlns:a14="http://schemas.microsoft.com/office/drawing/2010/main">
+                <a14:hiddenFill xmlns:a14="http://schemas.microsoft.com/office/drawing/2010/main" xmlns="">
                   <a:solidFill>
                     <a:srgbClr val="FFFFFF"/>
                   </a:solidFill>
@@ -7941,7 +7941,7 @@
             <a:noFill/>
             <a:extLst>
               <a:ext uri="{909E8E84-426E-40dd-AFC4-6F175D3DCCD1}">
-                <a14:hiddenFill xmlns="" xmlns:a14="http://schemas.microsoft.com/office/drawing/2010/main">
+                <a14:hiddenFill xmlns:a14="http://schemas.microsoft.com/office/drawing/2010/main" xmlns="">
                   <a:solidFill>
                     <a:srgbClr val="FFFFFF"/>
                   </a:solidFill>
@@ -7986,7 +7986,7 @@
             <a:noFill/>
             <a:extLst>
               <a:ext uri="{909E8E84-426E-40dd-AFC4-6F175D3DCCD1}">
-                <a14:hiddenFill xmlns="" xmlns:a14="http://schemas.microsoft.com/office/drawing/2010/main">
+                <a14:hiddenFill xmlns:a14="http://schemas.microsoft.com/office/drawing/2010/main" xmlns="">
                   <a:solidFill>
                     <a:srgbClr val="FFFFFF"/>
                   </a:solidFill>
@@ -8092,18 +8092,9 @@
               <a:buNone/>
             </a:pPr>
             <a:r>
-              <a:rPr lang="en-US" dirty="0"/>
-              <a:t>Before pressing the </a:t>
-            </a:r>
-            <a:r>
-              <a:rPr lang="en-US" b="1" dirty="0"/>
-              <a:t>Upload Data </a:t>
-            </a:r>
-            <a:r>
-              <a:rPr lang="en-US" dirty="0"/>
-              <a:t>button please confirm the date and time of your next session with the experimenter.</a:t>
-            </a:r>
-            <a:endParaRPr lang="en-US" sz="2400" dirty="0"/>
+              <a:rPr lang="en-US" sz="4400" b="1" dirty="0"/>
+              <a:t>PLEASE NOTIFY THE EXPERIMENTER</a:t>
+            </a:r>
           </a:p>
         </p:txBody>
       </p:sp>
@@ -8414,6 +8405,21 @@
             </a:r>
           </a:p>
           <a:p>
+            <a:pPr marL="0" indent="0" algn="ctr">
+              <a:buNone/>
+            </a:pPr>
+            <a:endParaRPr lang="en-US" sz="4400" b="1" dirty="0"/>
+          </a:p>
+          <a:p>
+            <a:pPr marL="0" indent="0" algn="ctr">
+              <a:buNone/>
+            </a:pPr>
+            <a:r>
+              <a:rPr lang="en-US" sz="4400" b="1" dirty="0"/>
+              <a:t>PLEASE NOTIFY THE EXPERIMENTER</a:t>
+            </a:r>
+          </a:p>
+          <a:p>
             <a:pPr marL="3657600" lvl="8" indent="0">
               <a:buNone/>
             </a:pPr>
@@ -8424,24 +8430,6 @@
               <a:buNone/>
             </a:pPr>
             <a:endParaRPr lang="en-US" dirty="0"/>
-          </a:p>
-          <a:p>
-            <a:pPr marL="0" indent="0" algn="ctr">
-              <a:buNone/>
-            </a:pPr>
-            <a:r>
-              <a:rPr lang="en-US" dirty="0"/>
-              <a:t>Before pressing the </a:t>
-            </a:r>
-            <a:r>
-              <a:rPr lang="en-US" b="1" dirty="0"/>
-              <a:t>Upload Data </a:t>
-            </a:r>
-            <a:r>
-              <a:rPr lang="en-US" dirty="0"/>
-              <a:t>button please confirm the date and time of your next session with the experimenter.</a:t>
-            </a:r>
-            <a:endParaRPr lang="en-US" sz="2400" dirty="0"/>
           </a:p>
         </p:txBody>
       </p:sp>
@@ -8610,7 +8598,7 @@
             <a:noFill/>
             <a:extLst>
               <a:ext uri="{909E8E84-426E-40dd-AFC4-6F175D3DCCD1}">
-                <a14:hiddenFill xmlns="" xmlns:a14="http://schemas.microsoft.com/office/drawing/2010/main">
+                <a14:hiddenFill xmlns:a14="http://schemas.microsoft.com/office/drawing/2010/main" xmlns="">
                   <a:solidFill>
                     <a:srgbClr val="FFFFFF"/>
                   </a:solidFill>
@@ -9642,7 +9630,7 @@
             <a:noFill/>
             <a:extLst>
               <a:ext uri="{909E8E84-426E-40dd-AFC4-6F175D3DCCD1}">
-                <a14:hiddenFill xmlns="" xmlns:a14="http://schemas.microsoft.com/office/drawing/2010/main">
+                <a14:hiddenFill xmlns:a14="http://schemas.microsoft.com/office/drawing/2010/main" xmlns="">
                   <a:solidFill>
                     <a:srgbClr val="FFFFFF"/>
                   </a:solidFill>
@@ -9687,7 +9675,7 @@
             <a:noFill/>
             <a:extLst>
               <a:ext uri="{909E8E84-426E-40dd-AFC4-6F175D3DCCD1}">
-                <a14:hiddenFill xmlns="" xmlns:a14="http://schemas.microsoft.com/office/drawing/2010/main">
+                <a14:hiddenFill xmlns:a14="http://schemas.microsoft.com/office/drawing/2010/main" xmlns="">
                   <a:solidFill>
                     <a:srgbClr val="FFFFFF"/>
                   </a:solidFill>
@@ -9732,7 +9720,7 @@
             <a:noFill/>
             <a:extLst>
               <a:ext uri="{909E8E84-426E-40dd-AFC4-6F175D3DCCD1}">
-                <a14:hiddenFill xmlns="" xmlns:a14="http://schemas.microsoft.com/office/drawing/2010/main">
+                <a14:hiddenFill xmlns:a14="http://schemas.microsoft.com/office/drawing/2010/main" xmlns="">
                   <a:solidFill>
                     <a:srgbClr val="FFFFFF"/>
                   </a:solidFill>

--- a/Assets/StreamingAssets/2D_Objects/Circle/~Circle-Instructions.pptx
+++ b/Assets/StreamingAssets/2D_Objects/Circle/~Circle-Instructions.pptx
@@ -288,7 +288,7 @@
           <a:p>
             <a:fld id="{CA365A23-D275-4D5C-A163-A5AA11A9E6CE}" type="datetimeFigureOut">
               <a:rPr lang="en-US" smtClean="0"/>
-              <a:t>6/11/2020</a:t>
+              <a:t>6/11/20</a:t>
             </a:fld>
             <a:endParaRPr lang="en-US"/>
           </a:p>
@@ -486,7 +486,7 @@
           <a:p>
             <a:fld id="{CA365A23-D275-4D5C-A163-A5AA11A9E6CE}" type="datetimeFigureOut">
               <a:rPr lang="en-US" smtClean="0"/>
-              <a:t>6/11/2020</a:t>
+              <a:t>6/11/20</a:t>
             </a:fld>
             <a:endParaRPr lang="en-US"/>
           </a:p>
@@ -694,7 +694,7 @@
           <a:p>
             <a:fld id="{CA365A23-D275-4D5C-A163-A5AA11A9E6CE}" type="datetimeFigureOut">
               <a:rPr lang="en-US" smtClean="0"/>
-              <a:t>6/11/2020</a:t>
+              <a:t>6/11/20</a:t>
             </a:fld>
             <a:endParaRPr lang="en-US"/>
           </a:p>
@@ -892,7 +892,7 @@
           <a:p>
             <a:fld id="{CA365A23-D275-4D5C-A163-A5AA11A9E6CE}" type="datetimeFigureOut">
               <a:rPr lang="en-US" smtClean="0"/>
-              <a:t>6/11/2020</a:t>
+              <a:t>6/11/20</a:t>
             </a:fld>
             <a:endParaRPr lang="en-US"/>
           </a:p>
@@ -1167,7 +1167,7 @@
           <a:p>
             <a:fld id="{CA365A23-D275-4D5C-A163-A5AA11A9E6CE}" type="datetimeFigureOut">
               <a:rPr lang="en-US" smtClean="0"/>
-              <a:t>6/11/2020</a:t>
+              <a:t>6/11/20</a:t>
             </a:fld>
             <a:endParaRPr lang="en-US"/>
           </a:p>
@@ -1432,7 +1432,7 @@
           <a:p>
             <a:fld id="{CA365A23-D275-4D5C-A163-A5AA11A9E6CE}" type="datetimeFigureOut">
               <a:rPr lang="en-US" smtClean="0"/>
-              <a:t>6/11/2020</a:t>
+              <a:t>6/11/20</a:t>
             </a:fld>
             <a:endParaRPr lang="en-US"/>
           </a:p>
@@ -1844,7 +1844,7 @@
           <a:p>
             <a:fld id="{CA365A23-D275-4D5C-A163-A5AA11A9E6CE}" type="datetimeFigureOut">
               <a:rPr lang="en-US" smtClean="0"/>
-              <a:t>6/11/2020</a:t>
+              <a:t>6/11/20</a:t>
             </a:fld>
             <a:endParaRPr lang="en-US"/>
           </a:p>
@@ -1985,7 +1985,7 @@
           <a:p>
             <a:fld id="{CA365A23-D275-4D5C-A163-A5AA11A9E6CE}" type="datetimeFigureOut">
               <a:rPr lang="en-US" smtClean="0"/>
-              <a:t>6/11/2020</a:t>
+              <a:t>6/11/20</a:t>
             </a:fld>
             <a:endParaRPr lang="en-US"/>
           </a:p>
@@ -2098,7 +2098,7 @@
           <a:p>
             <a:fld id="{CA365A23-D275-4D5C-A163-A5AA11A9E6CE}" type="datetimeFigureOut">
               <a:rPr lang="en-US" smtClean="0"/>
-              <a:t>6/11/2020</a:t>
+              <a:t>6/11/20</a:t>
             </a:fld>
             <a:endParaRPr lang="en-US"/>
           </a:p>
@@ -2409,7 +2409,7 @@
           <a:p>
             <a:fld id="{CA365A23-D275-4D5C-A163-A5AA11A9E6CE}" type="datetimeFigureOut">
               <a:rPr lang="en-US" smtClean="0"/>
-              <a:t>6/11/2020</a:t>
+              <a:t>6/11/20</a:t>
             </a:fld>
             <a:endParaRPr lang="en-US"/>
           </a:p>
@@ -2697,7 +2697,7 @@
           <a:p>
             <a:fld id="{CA365A23-D275-4D5C-A163-A5AA11A9E6CE}" type="datetimeFigureOut">
               <a:rPr lang="en-US" smtClean="0"/>
-              <a:t>6/11/2020</a:t>
+              <a:t>6/11/20</a:t>
             </a:fld>
             <a:endParaRPr lang="en-US"/>
           </a:p>
@@ -2938,7 +2938,7 @@
           <a:p>
             <a:fld id="{CA365A23-D275-4D5C-A163-A5AA11A9E6CE}" type="datetimeFigureOut">
               <a:rPr lang="en-US" smtClean="0"/>
-              <a:t>6/11/2020</a:t>
+              <a:t>6/11/20</a:t>
             </a:fld>
             <a:endParaRPr lang="en-US"/>
           </a:p>
@@ -3515,41 +3515,6 @@
                 </a:solidFill>
               </a:rPr>
               <a:t>Do you have any questions?</a:t>
-            </a:r>
-          </a:p>
-        </p:txBody>
-      </p:sp>
-      <p:sp>
-        <p:nvSpPr>
-          <p:cNvPr id="4" name="TextBox 3">
-            <a:extLst>
-              <a:ext uri="{FF2B5EF4-FFF2-40B4-BE49-F238E27FC236}">
-                <a16:creationId xmlns:a16="http://schemas.microsoft.com/office/drawing/2014/main" id="{B04AD35D-0213-5246-9CCE-372F49B49A7C}"/>
-              </a:ext>
-            </a:extLst>
-          </p:cNvPr>
-          <p:cNvSpPr txBox="1"/>
-          <p:nvPr/>
-        </p:nvSpPr>
-        <p:spPr>
-          <a:xfrm>
-            <a:off x="10095978" y="375781"/>
-            <a:ext cx="1244862" cy="369332"/>
-          </a:xfrm>
-          <a:prstGeom prst="rect">
-            <a:avLst/>
-          </a:prstGeom>
-          <a:noFill/>
-        </p:spPr>
-        <p:txBody>
-          <a:bodyPr wrap="square" rtlCol="0">
-            <a:spAutoFit/>
-          </a:bodyPr>
-          <a:lstStyle/>
-          <a:p>
-            <a:r>
-              <a:rPr lang="en-US" dirty="0"/>
-              <a:t>V1</a:t>
             </a:r>
           </a:p>
         </p:txBody>
@@ -7896,7 +7861,7 @@
             <a:noFill/>
             <a:extLst>
               <a:ext uri="{909E8E84-426E-40dd-AFC4-6F175D3DCCD1}">
-                <a14:hiddenFill xmlns:a14="http://schemas.microsoft.com/office/drawing/2010/main" xmlns="">
+                <a14:hiddenFill xmlns="" xmlns:a14="http://schemas.microsoft.com/office/drawing/2010/main">
                   <a:solidFill>
                     <a:srgbClr val="FFFFFF"/>
                   </a:solidFill>
@@ -7941,7 +7906,7 @@
             <a:noFill/>
             <a:extLst>
               <a:ext uri="{909E8E84-426E-40dd-AFC4-6F175D3DCCD1}">
-                <a14:hiddenFill xmlns:a14="http://schemas.microsoft.com/office/drawing/2010/main" xmlns="">
+                <a14:hiddenFill xmlns="" xmlns:a14="http://schemas.microsoft.com/office/drawing/2010/main">
                   <a:solidFill>
                     <a:srgbClr val="FFFFFF"/>
                   </a:solidFill>
@@ -7986,7 +7951,7 @@
             <a:noFill/>
             <a:extLst>
               <a:ext uri="{909E8E84-426E-40dd-AFC4-6F175D3DCCD1}">
-                <a14:hiddenFill xmlns:a14="http://schemas.microsoft.com/office/drawing/2010/main" xmlns="">
+                <a14:hiddenFill xmlns="" xmlns:a14="http://schemas.microsoft.com/office/drawing/2010/main">
                   <a:solidFill>
                     <a:srgbClr val="FFFFFF"/>
                   </a:solidFill>
@@ -8322,6 +8287,55 @@
               </a:rPr>
               <a:t>Do you have any questions?</a:t>
             </a:r>
+          </a:p>
+        </p:txBody>
+      </p:sp>
+      <p:sp>
+        <p:nvSpPr>
+          <p:cNvPr id="4" name="TextBox 3">
+            <a:extLst>
+              <a:ext uri="{FF2B5EF4-FFF2-40B4-BE49-F238E27FC236}">
+                <a16:creationId xmlns:a16="http://schemas.microsoft.com/office/drawing/2014/main" id="{B331D4B9-FBEB-1F4E-A3A9-8D0D1F9967F4}"/>
+              </a:ext>
+            </a:extLst>
+          </p:cNvPr>
+          <p:cNvSpPr txBox="1"/>
+          <p:nvPr/>
+        </p:nvSpPr>
+        <p:spPr>
+          <a:xfrm>
+            <a:off x="10966290" y="138597"/>
+            <a:ext cx="901381" cy="523220"/>
+          </a:xfrm>
+          <a:prstGeom prst="rect">
+            <a:avLst/>
+          </a:prstGeom>
+          <a:noFill/>
+        </p:spPr>
+        <p:txBody>
+          <a:bodyPr wrap="square" rtlCol="0">
+            <a:spAutoFit/>
+          </a:bodyPr>
+          <a:lstStyle/>
+          <a:p>
+            <a:pPr algn="ctr"/>
+            <a:r>
+              <a:rPr lang="en-US" altLang="zh-CN" sz="2800" dirty="0">
+                <a:solidFill>
+                  <a:schemeClr val="bg1">
+                    <a:lumMod val="50000"/>
+                  </a:schemeClr>
+                </a:solidFill>
+              </a:rPr>
+              <a:t>C</a:t>
+            </a:r>
+            <a:endParaRPr lang="en-US" sz="2800" dirty="0">
+              <a:solidFill>
+                <a:schemeClr val="bg1">
+                  <a:lumMod val="50000"/>
+                </a:schemeClr>
+              </a:solidFill>
+            </a:endParaRPr>
           </a:p>
         </p:txBody>
       </p:sp>
@@ -8598,7 +8612,7 @@
             <a:noFill/>
             <a:extLst>
               <a:ext uri="{909E8E84-426E-40dd-AFC4-6F175D3DCCD1}">
-                <a14:hiddenFill xmlns:a14="http://schemas.microsoft.com/office/drawing/2010/main" xmlns="">
+                <a14:hiddenFill xmlns="" xmlns:a14="http://schemas.microsoft.com/office/drawing/2010/main">
                   <a:solidFill>
                     <a:srgbClr val="FFFFFF"/>
                   </a:solidFill>
@@ -9630,7 +9644,7 @@
             <a:noFill/>
             <a:extLst>
               <a:ext uri="{909E8E84-426E-40dd-AFC4-6F175D3DCCD1}">
-                <a14:hiddenFill xmlns:a14="http://schemas.microsoft.com/office/drawing/2010/main" xmlns="">
+                <a14:hiddenFill xmlns="" xmlns:a14="http://schemas.microsoft.com/office/drawing/2010/main">
                   <a:solidFill>
                     <a:srgbClr val="FFFFFF"/>
                   </a:solidFill>
@@ -9675,7 +9689,7 @@
             <a:noFill/>
             <a:extLst>
               <a:ext uri="{909E8E84-426E-40dd-AFC4-6F175D3DCCD1}">
-                <a14:hiddenFill xmlns:a14="http://schemas.microsoft.com/office/drawing/2010/main" xmlns="">
+                <a14:hiddenFill xmlns="" xmlns:a14="http://schemas.microsoft.com/office/drawing/2010/main">
                   <a:solidFill>
                     <a:srgbClr val="FFFFFF"/>
                   </a:solidFill>
@@ -9720,7 +9734,7 @@
             <a:noFill/>
             <a:extLst>
               <a:ext uri="{909E8E84-426E-40dd-AFC4-6F175D3DCCD1}">
-                <a14:hiddenFill xmlns:a14="http://schemas.microsoft.com/office/drawing/2010/main" xmlns="">
+                <a14:hiddenFill xmlns="" xmlns:a14="http://schemas.microsoft.com/office/drawing/2010/main">
                   <a:solidFill>
                     <a:srgbClr val="FFFFFF"/>
                   </a:solidFill>
